--- a/presentation/pods_presentation.pptx
+++ b/presentation/pods_presentation.pptx
@@ -309,7 +309,7 @@
           <a:p>
             <a:fld id="{5BCAD085-E8A6-8845-BD4E-CB4CCA059FC4}" type="datetimeFigureOut">
               <a:rPr lang="en-US" smtClean="0"/>
-              <a:t>10/27/23</a:t>
+              <a:t>10/30/23</a:t>
             </a:fld>
             <a:endParaRPr lang="en-US"/>
           </a:p>
@@ -477,7 +477,7 @@
           <a:p>
             <a:fld id="{5BCAD085-E8A6-8845-BD4E-CB4CCA059FC4}" type="datetimeFigureOut">
               <a:rPr lang="en-US" smtClean="0"/>
-              <a:t>10/27/23</a:t>
+              <a:t>10/30/23</a:t>
             </a:fld>
             <a:endParaRPr lang="en-US"/>
           </a:p>
@@ -655,7 +655,7 @@
           <a:p>
             <a:fld id="{5BCAD085-E8A6-8845-BD4E-CB4CCA059FC4}" type="datetimeFigureOut">
               <a:rPr lang="en-US" smtClean="0"/>
-              <a:t>10/27/23</a:t>
+              <a:t>10/30/23</a:t>
             </a:fld>
             <a:endParaRPr lang="en-US"/>
           </a:p>
@@ -823,7 +823,7 @@
           <a:p>
             <a:fld id="{5BCAD085-E8A6-8845-BD4E-CB4CCA059FC4}" type="datetimeFigureOut">
               <a:rPr lang="en-US" smtClean="0"/>
-              <a:t>10/27/23</a:t>
+              <a:t>10/30/23</a:t>
             </a:fld>
             <a:endParaRPr lang="en-US"/>
           </a:p>
@@ -1068,7 +1068,7 @@
           <a:p>
             <a:fld id="{5BCAD085-E8A6-8845-BD4E-CB4CCA059FC4}" type="datetimeFigureOut">
               <a:rPr lang="en-US" smtClean="0"/>
-              <a:t>10/27/23</a:t>
+              <a:t>10/30/23</a:t>
             </a:fld>
             <a:endParaRPr lang="en-US"/>
           </a:p>
@@ -1353,7 +1353,7 @@
           <a:p>
             <a:fld id="{5BCAD085-E8A6-8845-BD4E-CB4CCA059FC4}" type="datetimeFigureOut">
               <a:rPr lang="en-US" smtClean="0"/>
-              <a:t>10/27/23</a:t>
+              <a:t>10/30/23</a:t>
             </a:fld>
             <a:endParaRPr lang="en-US"/>
           </a:p>
@@ -1772,7 +1772,7 @@
           <a:p>
             <a:fld id="{5BCAD085-E8A6-8845-BD4E-CB4CCA059FC4}" type="datetimeFigureOut">
               <a:rPr lang="en-US" smtClean="0"/>
-              <a:t>10/27/23</a:t>
+              <a:t>10/30/23</a:t>
             </a:fld>
             <a:endParaRPr lang="en-US"/>
           </a:p>
@@ -1889,7 +1889,7 @@
           <a:p>
             <a:fld id="{5BCAD085-E8A6-8845-BD4E-CB4CCA059FC4}" type="datetimeFigureOut">
               <a:rPr lang="en-US" smtClean="0"/>
-              <a:t>10/27/23</a:t>
+              <a:t>10/30/23</a:t>
             </a:fld>
             <a:endParaRPr lang="en-US"/>
           </a:p>
@@ -1984,7 +1984,7 @@
           <a:p>
             <a:fld id="{5BCAD085-E8A6-8845-BD4E-CB4CCA059FC4}" type="datetimeFigureOut">
               <a:rPr lang="en-US" smtClean="0"/>
-              <a:t>10/27/23</a:t>
+              <a:t>10/30/23</a:t>
             </a:fld>
             <a:endParaRPr lang="en-US"/>
           </a:p>
@@ -2259,7 +2259,7 @@
           <a:p>
             <a:fld id="{5BCAD085-E8A6-8845-BD4E-CB4CCA059FC4}" type="datetimeFigureOut">
               <a:rPr lang="en-US" smtClean="0"/>
-              <a:t>10/27/23</a:t>
+              <a:t>10/30/23</a:t>
             </a:fld>
             <a:endParaRPr lang="en-US"/>
           </a:p>
@@ -2511,7 +2511,7 @@
           <a:p>
             <a:fld id="{5BCAD085-E8A6-8845-BD4E-CB4CCA059FC4}" type="datetimeFigureOut">
               <a:rPr lang="en-US" smtClean="0"/>
-              <a:t>10/27/23</a:t>
+              <a:t>10/30/23</a:t>
             </a:fld>
             <a:endParaRPr lang="en-US"/>
           </a:p>
@@ -2722,7 +2722,7 @@
           <a:p>
             <a:fld id="{5BCAD085-E8A6-8845-BD4E-CB4CCA059FC4}" type="datetimeFigureOut">
               <a:rPr lang="en-US" smtClean="0"/>
-              <a:t>10/27/23</a:t>
+              <a:t>10/30/23</a:t>
             </a:fld>
             <a:endParaRPr lang="en-US"/>
           </a:p>
@@ -3293,21 +3293,40 @@
           <a:bodyPr/>
           <a:lstStyle/>
           <a:p>
-            <a:endParaRPr/>
-          </a:p>
-          <a:p>
-            <a:r>
+            <a:endParaRPr dirty="0"/>
+          </a:p>
+          <a:p>
+            <a:r>
+              <a:rPr dirty="0"/>
               <a:t>Typically done using Kubernetes manifests (YAML files).</a:t>
             </a:r>
           </a:p>
           <a:p>
             <a:r>
-              <a:t>These manifests define the desired state for your application.</a:t>
-            </a:r>
-          </a:p>
-          <a:p>
-            <a:r>
-              <a:t>Deploy using `kubectl` command-line tool.</a:t>
+              <a:rPr dirty="0"/>
+              <a:t>These manifests define the </a:t>
+            </a:r>
+            <a:r>
+              <a:rPr u="sng" dirty="0"/>
+              <a:t>desired state</a:t>
+            </a:r>
+            <a:r>
+              <a:rPr dirty="0"/>
+              <a:t> for your application.</a:t>
+            </a:r>
+          </a:p>
+          <a:p>
+            <a:r>
+              <a:rPr dirty="0"/>
+              <a:t>Deploy using `</a:t>
+            </a:r>
+            <a:r>
+              <a:rPr dirty="0" err="1"/>
+              <a:t>kubectl</a:t>
+            </a:r>
+            <a:r>
+              <a:rPr dirty="0"/>
+              <a:t>` command-line tool.</a:t>
             </a:r>
           </a:p>
         </p:txBody>
